--- a/Template_ENW.pptx
+++ b/Template_ENW.pptx
@@ -212,7 +212,7 @@
           <a:p>
             <a:fld id="{92E90BFB-9F15-1744-BC4E-55B94AE51F15}" type="datetimeFigureOut">
               <a:rPr lang="en-JP" smtClean="0"/>
-              <a:t>2022/05/04</a:t>
+              <a:t>2022/06/08</a:t>
             </a:fld>
             <a:endParaRPr lang="en-JP"/>
           </a:p>
@@ -490,7 +490,7 @@
             <a:fld id="{8BEED3A0-4181-2F4A-9DB9-4F1DD88FDD37}" type="datetimeFigureOut">
               <a:rPr lang="en-JP" smtClean="0"/>
               <a:pPr/>
-              <a:t>2022/05/04</a:t>
+              <a:t>2022/06/08</a:t>
             </a:fld>
             <a:endParaRPr lang="en-JP" dirty="0"/>
           </a:p>
@@ -739,7 +739,7 @@
           <a:p>
             <a:fld id="{8BEED3A0-4181-2F4A-9DB9-4F1DD88FDD37}" type="datetimeFigureOut">
               <a:rPr lang="en-JP" smtClean="0"/>
-              <a:t>2022/05/04</a:t>
+              <a:t>2022/06/08</a:t>
             </a:fld>
             <a:endParaRPr lang="en-JP"/>
           </a:p>
@@ -979,7 +979,7 @@
           <a:p>
             <a:fld id="{8BEED3A0-4181-2F4A-9DB9-4F1DD88FDD37}" type="datetimeFigureOut">
               <a:rPr lang="en-JP" smtClean="0"/>
-              <a:t>2022/05/04</a:t>
+              <a:t>2022/06/08</a:t>
             </a:fld>
             <a:endParaRPr lang="en-JP"/>
           </a:p>
@@ -1153,8 +1153,8 @@
         </p:nvSpPr>
         <p:spPr>
           <a:xfrm>
-            <a:off x="125950" y="1062365"/>
-            <a:ext cx="11940100" cy="5225079"/>
+            <a:off x="435429" y="1062365"/>
+            <a:ext cx="11255828" cy="5225079"/>
           </a:xfrm>
           <a:prstGeom prst="rect">
             <a:avLst/>
@@ -1163,7 +1163,7 @@
         <p:txBody>
           <a:bodyPr/>
           <a:lstStyle>
-            <a:lvl1pPr marL="317500" indent="-317500">
+            <a:lvl1pPr marL="360363" indent="-360363">
               <a:lnSpc>
                 <a:spcPct val="120000"/>
               </a:lnSpc>
@@ -1274,7 +1274,7 @@
             <a:fld id="{8BEED3A0-4181-2F4A-9DB9-4F1DD88FDD37}" type="datetimeFigureOut">
               <a:rPr lang="en-JP" smtClean="0"/>
               <a:pPr/>
-              <a:t>2022/05/04</a:t>
+              <a:t>2022/06/08</a:t>
             </a:fld>
             <a:endParaRPr lang="en-JP" dirty="0"/>
           </a:p>
@@ -1703,7 +1703,7 @@
             <a:fld id="{8BEED3A0-4181-2F4A-9DB9-4F1DD88FDD37}" type="datetimeFigureOut">
               <a:rPr lang="en-JP" smtClean="0"/>
               <a:pPr/>
-              <a:t>2022/05/04</a:t>
+              <a:t>2022/06/08</a:t>
             </a:fld>
             <a:endParaRPr lang="en-JP"/>
           </a:p>
@@ -2209,7 +2209,7 @@
             <a:fld id="{8BEED3A0-4181-2F4A-9DB9-4F1DD88FDD37}" type="datetimeFigureOut">
               <a:rPr lang="en-JP" smtClean="0"/>
               <a:pPr/>
-              <a:t>2022/05/04</a:t>
+              <a:t>2022/06/08</a:t>
             </a:fld>
             <a:endParaRPr lang="en-JP"/>
           </a:p>
@@ -2392,7 +2392,7 @@
           <a:p>
             <a:fld id="{8BEED3A0-4181-2F4A-9DB9-4F1DD88FDD37}" type="datetimeFigureOut">
               <a:rPr lang="en-JP" smtClean="0"/>
-              <a:t>2022/05/04</a:t>
+              <a:t>2022/06/08</a:t>
             </a:fld>
             <a:endParaRPr lang="en-JP"/>
           </a:p>
@@ -2529,7 +2529,7 @@
           <a:p>
             <a:fld id="{8BEED3A0-4181-2F4A-9DB9-4F1DD88FDD37}" type="datetimeFigureOut">
               <a:rPr lang="en-JP" smtClean="0"/>
-              <a:t>2022/05/04</a:t>
+              <a:t>2022/06/08</a:t>
             </a:fld>
             <a:endParaRPr lang="en-JP"/>
           </a:p>
@@ -2875,7 +2875,7 @@
           <a:p>
             <a:fld id="{8BEED3A0-4181-2F4A-9DB9-4F1DD88FDD37}" type="datetimeFigureOut">
               <a:rPr lang="en-JP" smtClean="0"/>
-              <a:t>2022/05/04</a:t>
+              <a:t>2022/06/08</a:t>
             </a:fld>
             <a:endParaRPr lang="en-JP"/>
           </a:p>
@@ -3197,7 +3197,7 @@
           <a:p>
             <a:fld id="{8BEED3A0-4181-2F4A-9DB9-4F1DD88FDD37}" type="datetimeFigureOut">
               <a:rPr lang="en-JP" smtClean="0"/>
-              <a:t>2022/05/04</a:t>
+              <a:t>2022/06/08</a:t>
             </a:fld>
             <a:endParaRPr lang="en-JP"/>
           </a:p>

--- a/Template_ENW.pptx
+++ b/Template_ENW.pptx
@@ -212,7 +212,7 @@
           <a:p>
             <a:fld id="{92E90BFB-9F15-1744-BC4E-55B94AE51F15}" type="datetimeFigureOut">
               <a:rPr lang="en-JP" smtClean="0"/>
-              <a:t>2022/06/08</a:t>
+              <a:t>2023/03/29</a:t>
             </a:fld>
             <a:endParaRPr lang="en-JP"/>
           </a:p>
@@ -490,7 +490,7 @@
             <a:fld id="{8BEED3A0-4181-2F4A-9DB9-4F1DD88FDD37}" type="datetimeFigureOut">
               <a:rPr lang="en-JP" smtClean="0"/>
               <a:pPr/>
-              <a:t>2022/06/08</a:t>
+              <a:t>2023/03/29</a:t>
             </a:fld>
             <a:endParaRPr lang="en-JP" dirty="0"/>
           </a:p>
@@ -739,7 +739,7 @@
           <a:p>
             <a:fld id="{8BEED3A0-4181-2F4A-9DB9-4F1DD88FDD37}" type="datetimeFigureOut">
               <a:rPr lang="en-JP" smtClean="0"/>
-              <a:t>2022/06/08</a:t>
+              <a:t>2023/03/29</a:t>
             </a:fld>
             <a:endParaRPr lang="en-JP"/>
           </a:p>
@@ -979,7 +979,7 @@
           <a:p>
             <a:fld id="{8BEED3A0-4181-2F4A-9DB9-4F1DD88FDD37}" type="datetimeFigureOut">
               <a:rPr lang="en-JP" smtClean="0"/>
-              <a:t>2022/06/08</a:t>
+              <a:t>2023/03/29</a:t>
             </a:fld>
             <a:endParaRPr lang="en-JP"/>
           </a:p>
@@ -1274,7 +1274,7 @@
             <a:fld id="{8BEED3A0-4181-2F4A-9DB9-4F1DD88FDD37}" type="datetimeFigureOut">
               <a:rPr lang="en-JP" smtClean="0"/>
               <a:pPr/>
-              <a:t>2022/06/08</a:t>
+              <a:t>2023/03/29</a:t>
             </a:fld>
             <a:endParaRPr lang="en-JP" dirty="0"/>
           </a:p>
@@ -1703,7 +1703,7 @@
             <a:fld id="{8BEED3A0-4181-2F4A-9DB9-4F1DD88FDD37}" type="datetimeFigureOut">
               <a:rPr lang="en-JP" smtClean="0"/>
               <a:pPr/>
-              <a:t>2022/06/08</a:t>
+              <a:t>2023/03/29</a:t>
             </a:fld>
             <a:endParaRPr lang="en-JP"/>
           </a:p>
@@ -2209,7 +2209,7 @@
             <a:fld id="{8BEED3A0-4181-2F4A-9DB9-4F1DD88FDD37}" type="datetimeFigureOut">
               <a:rPr lang="en-JP" smtClean="0"/>
               <a:pPr/>
-              <a:t>2022/06/08</a:t>
+              <a:t>2023/03/29</a:t>
             </a:fld>
             <a:endParaRPr lang="en-JP"/>
           </a:p>
@@ -2392,7 +2392,7 @@
           <a:p>
             <a:fld id="{8BEED3A0-4181-2F4A-9DB9-4F1DD88FDD37}" type="datetimeFigureOut">
               <a:rPr lang="en-JP" smtClean="0"/>
-              <a:t>2022/06/08</a:t>
+              <a:t>2023/03/29</a:t>
             </a:fld>
             <a:endParaRPr lang="en-JP"/>
           </a:p>
@@ -2529,7 +2529,7 @@
           <a:p>
             <a:fld id="{8BEED3A0-4181-2F4A-9DB9-4F1DD88FDD37}" type="datetimeFigureOut">
               <a:rPr lang="en-JP" smtClean="0"/>
-              <a:t>2022/06/08</a:t>
+              <a:t>2023/03/29</a:t>
             </a:fld>
             <a:endParaRPr lang="en-JP"/>
           </a:p>
@@ -2653,26 +2653,26 @@
         </p:nvSpPr>
         <p:spPr>
           <a:xfrm>
-            <a:off x="839788" y="457200"/>
-            <a:ext cx="3932237" cy="1600200"/>
-          </a:xfrm>
-          <a:prstGeom prst="rect">
-            <a:avLst/>
-          </a:prstGeom>
-        </p:spPr>
-        <p:txBody>
-          <a:bodyPr anchor="b"/>
+            <a:off x="243681" y="136525"/>
+            <a:ext cx="11795919" cy="860425"/>
+          </a:xfrm>
+          <a:prstGeom prst="rect">
+            <a:avLst/>
+          </a:prstGeom>
+        </p:spPr>
+        <p:txBody>
+          <a:bodyPr anchor="ctr"/>
           <a:lstStyle>
             <a:lvl1pPr>
-              <a:defRPr sz="3200"/>
+              <a:defRPr sz="4800" b="1"/>
             </a:lvl1pPr>
           </a:lstStyle>
           <a:p>
             <a:r>
-              <a:rPr lang="en-US"/>
+              <a:rPr lang="en-US" dirty="0"/>
               <a:t>Click to edit Master title style</a:t>
             </a:r>
-            <a:endParaRPr lang="en-JP"/>
+            <a:endParaRPr lang="en-JP" dirty="0"/>
           </a:p>
         </p:txBody>
       </p:sp>
@@ -2694,8 +2694,8 @@
         </p:nvSpPr>
         <p:spPr>
           <a:xfrm>
-            <a:off x="5183188" y="987425"/>
-            <a:ext cx="6172200" cy="4873625"/>
+            <a:off x="6206445" y="1089025"/>
+            <a:ext cx="5833155" cy="5632450"/>
           </a:xfrm>
           <a:prstGeom prst="rect">
             <a:avLst/>
@@ -2788,8 +2788,8 @@
         </p:nvSpPr>
         <p:spPr>
           <a:xfrm>
-            <a:off x="839788" y="2057400"/>
-            <a:ext cx="3932237" cy="3811588"/>
+            <a:off x="243681" y="1085396"/>
+            <a:ext cx="5741875" cy="5632450"/>
           </a:xfrm>
           <a:prstGeom prst="rect">
             <a:avLst/>
@@ -2799,15 +2799,18 @@
           <a:bodyPr/>
           <a:lstStyle>
             <a:lvl1pPr marL="0" indent="0">
+              <a:buFont typeface="System Font Regular"/>
               <a:buNone/>
               <a:defRPr sz="1600"/>
             </a:lvl1pPr>
-            <a:lvl2pPr marL="457200" indent="0">
-              <a:buNone/>
+            <a:lvl2pPr marL="914400" indent="-457200">
+              <a:buFont typeface="System Font Regular"/>
+              <a:buChar char="-"/>
               <a:defRPr sz="1400"/>
             </a:lvl2pPr>
-            <a:lvl3pPr marL="914400" indent="0">
-              <a:buNone/>
+            <a:lvl3pPr marL="1371600" indent="-457200">
+              <a:buFont typeface="System Font Regular"/>
+              <a:buChar char="-"/>
               <a:defRPr sz="1200"/>
             </a:lvl3pPr>
             <a:lvl4pPr marL="1371600" indent="0">
@@ -2836,10 +2839,219 @@
             </a:lvl9pPr>
           </a:lstStyle>
           <a:p>
-            <a:pPr lvl="0"/>
-            <a:r>
-              <a:rPr lang="en-US" dirty="0"/>
+            <a:pPr marL="228600" marR="0" lvl="0" indent="-228600" algn="l" defTabSz="914400" rtl="0" eaLnBrk="1" fontAlgn="auto" latinLnBrk="0" hangingPunct="1">
+              <a:lnSpc>
+                <a:spcPct val="90000"/>
+              </a:lnSpc>
+              <a:spcBef>
+                <a:spcPts val="1000"/>
+              </a:spcBef>
+              <a:spcAft>
+                <a:spcPts val="0"/>
+              </a:spcAft>
+              <a:buClrTx/>
+              <a:buSzTx/>
+              <a:buFont typeface="Arial" panose="020B0604020202020204" pitchFamily="34" charset="0"/>
+              <a:buChar char="•"/>
+              <a:tabLst/>
+              <a:defRPr/>
+            </a:pPr>
+            <a:r>
+              <a:rPr kumimoji="0" lang="en-US" sz="2800" b="0" i="0" u="none" strike="noStrike" kern="1200" cap="none" spc="0" normalizeH="0" baseline="0" noProof="0" dirty="0">
+                <a:ln>
+                  <a:noFill/>
+                </a:ln>
+                <a:solidFill>
+                  <a:prstClr val="black"/>
+                </a:solidFill>
+                <a:effectLst/>
+                <a:uLnTx/>
+                <a:uFillTx/>
+                <a:latin typeface="Arial" panose="020B0604020202020204"/>
+                <a:ea typeface="+mn-ea"/>
+                <a:cs typeface="+mn-cs"/>
+              </a:rPr>
               <a:t>Click to edit Master text styles</a:t>
+            </a:r>
+          </a:p>
+          <a:p>
+            <a:pPr marL="228600" marR="0" lvl="0" indent="-228600" algn="l" defTabSz="914400" rtl="0" eaLnBrk="1" fontAlgn="auto" latinLnBrk="0" hangingPunct="1">
+              <a:lnSpc>
+                <a:spcPct val="90000"/>
+              </a:lnSpc>
+              <a:spcBef>
+                <a:spcPts val="1000"/>
+              </a:spcBef>
+              <a:spcAft>
+                <a:spcPts val="0"/>
+              </a:spcAft>
+              <a:buClrTx/>
+              <a:buSzTx/>
+              <a:buFont typeface="Arial" panose="020B0604020202020204" pitchFamily="34" charset="0"/>
+              <a:buChar char="•"/>
+              <a:tabLst/>
+              <a:defRPr/>
+            </a:pPr>
+            <a:r>
+              <a:rPr kumimoji="0" lang="en-US" sz="2800" b="0" i="0" u="none" strike="noStrike" kern="1200" cap="none" spc="0" normalizeH="0" baseline="0" noProof="0" dirty="0">
+                <a:ln>
+                  <a:noFill/>
+                </a:ln>
+                <a:solidFill>
+                  <a:prstClr val="black"/>
+                </a:solidFill>
+                <a:effectLst/>
+                <a:uLnTx/>
+                <a:uFillTx/>
+                <a:latin typeface="Arial" panose="020B0604020202020204"/>
+                <a:ea typeface="+mn-ea"/>
+                <a:cs typeface="+mn-cs"/>
+              </a:rPr>
+              <a:t>Second level</a:t>
+            </a:r>
+          </a:p>
+          <a:p>
+            <a:pPr marL="228600" marR="0" lvl="0" indent="-228600" algn="l" defTabSz="914400" rtl="0" eaLnBrk="1" fontAlgn="auto" latinLnBrk="0" hangingPunct="1">
+              <a:lnSpc>
+                <a:spcPct val="90000"/>
+              </a:lnSpc>
+              <a:spcBef>
+                <a:spcPts val="1000"/>
+              </a:spcBef>
+              <a:spcAft>
+                <a:spcPts val="0"/>
+              </a:spcAft>
+              <a:buClrTx/>
+              <a:buSzTx/>
+              <a:buFont typeface="Arial" panose="020B0604020202020204" pitchFamily="34" charset="0"/>
+              <a:buChar char="•"/>
+              <a:tabLst/>
+              <a:defRPr/>
+            </a:pPr>
+            <a:r>
+              <a:rPr kumimoji="0" lang="en-US" sz="2800" b="0" i="0" u="none" strike="noStrike" kern="1200" cap="none" spc="0" normalizeH="0" baseline="0" noProof="0" dirty="0">
+                <a:ln>
+                  <a:noFill/>
+                </a:ln>
+                <a:solidFill>
+                  <a:prstClr val="black"/>
+                </a:solidFill>
+                <a:effectLst/>
+                <a:uLnTx/>
+                <a:uFillTx/>
+                <a:latin typeface="Arial" panose="020B0604020202020204"/>
+                <a:ea typeface="+mn-ea"/>
+                <a:cs typeface="+mn-cs"/>
+              </a:rPr>
+              <a:t>Third level</a:t>
+            </a:r>
+          </a:p>
+          <a:p>
+            <a:pPr marL="228600" marR="0" lvl="0" indent="-228600" algn="l" defTabSz="914400" rtl="0" eaLnBrk="1" fontAlgn="auto" latinLnBrk="0" hangingPunct="1">
+              <a:lnSpc>
+                <a:spcPct val="90000"/>
+              </a:lnSpc>
+              <a:spcBef>
+                <a:spcPts val="1000"/>
+              </a:spcBef>
+              <a:spcAft>
+                <a:spcPts val="0"/>
+              </a:spcAft>
+              <a:buClrTx/>
+              <a:buSzTx/>
+              <a:buFont typeface="Arial" panose="020B0604020202020204" pitchFamily="34" charset="0"/>
+              <a:buChar char="•"/>
+              <a:tabLst/>
+              <a:defRPr/>
+            </a:pPr>
+            <a:r>
+              <a:rPr kumimoji="0" lang="en-US" sz="2800" b="0" i="0" u="none" strike="noStrike" kern="1200" cap="none" spc="0" normalizeH="0" baseline="0" noProof="0" dirty="0">
+                <a:ln>
+                  <a:noFill/>
+                </a:ln>
+                <a:solidFill>
+                  <a:prstClr val="black"/>
+                </a:solidFill>
+                <a:effectLst/>
+                <a:uLnTx/>
+                <a:uFillTx/>
+                <a:latin typeface="Arial" panose="020B0604020202020204"/>
+                <a:ea typeface="+mn-ea"/>
+                <a:cs typeface="+mn-cs"/>
+              </a:rPr>
+              <a:t>Fourth level</a:t>
+            </a:r>
+          </a:p>
+          <a:p>
+            <a:pPr marL="685800" marR="0" lvl="1" indent="-228600" algn="l" defTabSz="914400" rtl="0" eaLnBrk="1" fontAlgn="auto" latinLnBrk="0" hangingPunct="1">
+              <a:lnSpc>
+                <a:spcPct val="90000"/>
+              </a:lnSpc>
+              <a:spcBef>
+                <a:spcPts val="500"/>
+              </a:spcBef>
+              <a:spcAft>
+                <a:spcPts val="0"/>
+              </a:spcAft>
+              <a:buClrTx/>
+              <a:buSzTx/>
+              <a:buFont typeface="Arial" panose="020B0604020202020204" pitchFamily="34" charset="0"/>
+              <a:buChar char="•"/>
+              <a:tabLst/>
+              <a:defRPr/>
+            </a:pPr>
+            <a:r>
+              <a:rPr kumimoji="0" lang="en-US" sz="2800" b="0" i="0" u="none" strike="noStrike" kern="1200" cap="none" spc="0" normalizeH="0" baseline="0" noProof="0" dirty="0">
+                <a:ln>
+                  <a:noFill/>
+                </a:ln>
+                <a:solidFill>
+                  <a:prstClr val="black"/>
+                </a:solidFill>
+                <a:effectLst/>
+                <a:uLnTx/>
+                <a:uFillTx/>
+                <a:latin typeface="Arial" panose="020B0604020202020204"/>
+                <a:ea typeface="+mn-ea"/>
+                <a:cs typeface="+mn-cs"/>
+              </a:rPr>
+              <a:t>Fifth level</a:t>
+            </a:r>
+          </a:p>
+          <a:p>
+            <a:pPr marL="1143000" marR="0" lvl="2" indent="-228600" algn="l" defTabSz="914400" rtl="0" eaLnBrk="1" fontAlgn="auto" latinLnBrk="0" hangingPunct="1">
+              <a:lnSpc>
+                <a:spcPct val="90000"/>
+              </a:lnSpc>
+              <a:spcBef>
+                <a:spcPts val="500"/>
+              </a:spcBef>
+              <a:spcAft>
+                <a:spcPts val="0"/>
+              </a:spcAft>
+              <a:buClrTx/>
+              <a:buSzTx/>
+              <a:buFont typeface="Arial" panose="020B0604020202020204" pitchFamily="34" charset="0"/>
+              <a:buChar char="•"/>
+              <a:tabLst/>
+              <a:defRPr/>
+            </a:pPr>
+            <a:r>
+              <a:rPr kumimoji="0" lang="en-JP" sz="2800" b="0" i="0" u="none" strike="noStrike" kern="1200" cap="none" spc="0" normalizeH="0" baseline="0" noProof="0" dirty="0">
+                <a:ln>
+                  <a:noFill/>
+                </a:ln>
+                <a:solidFill>
+                  <a:prstClr val="black"/>
+                </a:solidFill>
+                <a:effectLst/>
+                <a:uLnTx/>
+                <a:uFillTx/>
+                <a:latin typeface="Arial" panose="020B0604020202020204"/>
+                <a:ea typeface="+mn-ea"/>
+                <a:cs typeface="+mn-cs"/>
+              </a:rPr>
+              <a:t>Sixth level</a:t>
             </a:r>
           </a:p>
         </p:txBody>
@@ -2875,7 +3087,7 @@
           <a:p>
             <a:fld id="{8BEED3A0-4181-2F4A-9DB9-4F1DD88FDD37}" type="datetimeFigureOut">
               <a:rPr lang="en-JP" smtClean="0"/>
-              <a:t>2022/06/08</a:t>
+              <a:t>2023/03/29</a:t>
             </a:fld>
             <a:endParaRPr lang="en-JP"/>
           </a:p>
@@ -2965,7 +3177,7 @@
 </file>
 
 <file path=ppt/slideLayouts/slideLayout9.xml><?xml version="1.0" encoding="utf-8"?>
-<p:sldLayout xmlns:a="http://schemas.openxmlformats.org/drawingml/2006/main" xmlns:r="http://schemas.openxmlformats.org/officeDocument/2006/relationships" xmlns:p="http://schemas.openxmlformats.org/presentationml/2006/main" type="picTx" preserve="1">
+<p:sldLayout xmlns:a="http://schemas.openxmlformats.org/drawingml/2006/main" xmlns:r="http://schemas.openxmlformats.org/officeDocument/2006/relationships" xmlns:p="http://schemas.openxmlformats.org/presentationml/2006/main" preserve="1" userDrawn="1">
   <p:cSld name="Picture with Caption">
     <p:spTree>
       <p:nvGrpSpPr>
@@ -2999,26 +3211,33 @@
         </p:nvSpPr>
         <p:spPr>
           <a:xfrm>
-            <a:off x="839788" y="457200"/>
-            <a:ext cx="3932237" cy="1600200"/>
-          </a:xfrm>
-          <a:prstGeom prst="rect">
-            <a:avLst/>
-          </a:prstGeom>
-        </p:spPr>
-        <p:txBody>
-          <a:bodyPr anchor="b"/>
+            <a:off x="221342" y="72710"/>
+            <a:ext cx="11749315" cy="838830"/>
+          </a:xfrm>
+          <a:prstGeom prst="rect">
+            <a:avLst/>
+          </a:prstGeom>
+        </p:spPr>
+        <p:txBody>
+          <a:bodyPr anchor="ctr"/>
           <a:lstStyle>
             <a:lvl1pPr>
-              <a:defRPr sz="3200"/>
+              <a:defRPr sz="4800" b="1">
+                <a:solidFill>
+                  <a:schemeClr val="tx1">
+                    <a:lumMod val="85000"/>
+                    <a:lumOff val="15000"/>
+                  </a:schemeClr>
+                </a:solidFill>
+              </a:defRPr>
             </a:lvl1pPr>
           </a:lstStyle>
           <a:p>
             <a:r>
-              <a:rPr lang="en-US"/>
+              <a:rPr lang="en-US" dirty="0"/>
               <a:t>Click to edit Master title style</a:t>
             </a:r>
-            <a:endParaRPr lang="en-JP"/>
+            <a:endParaRPr lang="en-JP" dirty="0"/>
           </a:p>
         </p:txBody>
       </p:sp>
@@ -3040,8 +3259,8 @@
         </p:nvSpPr>
         <p:spPr>
           <a:xfrm>
-            <a:off x="5183188" y="987425"/>
-            <a:ext cx="6172200" cy="4873625"/>
+            <a:off x="6161315" y="987425"/>
+            <a:ext cx="5809341" cy="5734050"/>
           </a:xfrm>
           <a:prstGeom prst="rect">
             <a:avLst/>
@@ -3110,8 +3329,8 @@
         </p:nvSpPr>
         <p:spPr>
           <a:xfrm>
-            <a:off x="839788" y="2057400"/>
-            <a:ext cx="3932237" cy="3811588"/>
+            <a:off x="221342" y="987425"/>
+            <a:ext cx="5809344" cy="5734050"/>
           </a:xfrm>
           <a:prstGeom prst="rect">
             <a:avLst/>
@@ -3158,11 +3377,224 @@
             </a:lvl9pPr>
           </a:lstStyle>
           <a:p>
+            <a:pPr marL="228600" marR="0" lvl="0" indent="-228600" algn="l" defTabSz="914400" rtl="0" eaLnBrk="1" fontAlgn="auto" latinLnBrk="0" hangingPunct="1">
+              <a:lnSpc>
+                <a:spcPct val="90000"/>
+              </a:lnSpc>
+              <a:spcBef>
+                <a:spcPts val="1000"/>
+              </a:spcBef>
+              <a:spcAft>
+                <a:spcPts val="0"/>
+              </a:spcAft>
+              <a:buClrTx/>
+              <a:buSzTx/>
+              <a:buFont typeface="Arial" panose="020B0604020202020204" pitchFamily="34" charset="0"/>
+              <a:buChar char="•"/>
+              <a:tabLst/>
+              <a:defRPr/>
+            </a:pPr>
+            <a:r>
+              <a:rPr kumimoji="0" lang="en-US" sz="2800" b="0" i="0" u="none" strike="noStrike" kern="1200" cap="none" spc="0" normalizeH="0" baseline="0" noProof="0" dirty="0">
+                <a:ln>
+                  <a:noFill/>
+                </a:ln>
+                <a:solidFill>
+                  <a:prstClr val="black"/>
+                </a:solidFill>
+                <a:effectLst/>
+                <a:uLnTx/>
+                <a:uFillTx/>
+                <a:latin typeface="Arial" panose="020B0604020202020204"/>
+                <a:ea typeface="+mn-ea"/>
+                <a:cs typeface="+mn-cs"/>
+              </a:rPr>
+              <a:t>Click to edit Master text styles</a:t>
+            </a:r>
+          </a:p>
+          <a:p>
+            <a:pPr marL="228600" marR="0" lvl="0" indent="-228600" algn="l" defTabSz="914400" rtl="0" eaLnBrk="1" fontAlgn="auto" latinLnBrk="0" hangingPunct="1">
+              <a:lnSpc>
+                <a:spcPct val="90000"/>
+              </a:lnSpc>
+              <a:spcBef>
+                <a:spcPts val="1000"/>
+              </a:spcBef>
+              <a:spcAft>
+                <a:spcPts val="0"/>
+              </a:spcAft>
+              <a:buClrTx/>
+              <a:buSzTx/>
+              <a:buFont typeface="Arial" panose="020B0604020202020204" pitchFamily="34" charset="0"/>
+              <a:buChar char="•"/>
+              <a:tabLst/>
+              <a:defRPr/>
+            </a:pPr>
+            <a:r>
+              <a:rPr kumimoji="0" lang="en-US" sz="2800" b="0" i="0" u="none" strike="noStrike" kern="1200" cap="none" spc="0" normalizeH="0" baseline="0" noProof="0" dirty="0">
+                <a:ln>
+                  <a:noFill/>
+                </a:ln>
+                <a:solidFill>
+                  <a:prstClr val="black"/>
+                </a:solidFill>
+                <a:effectLst/>
+                <a:uLnTx/>
+                <a:uFillTx/>
+                <a:latin typeface="Arial" panose="020B0604020202020204"/>
+                <a:ea typeface="+mn-ea"/>
+                <a:cs typeface="+mn-cs"/>
+              </a:rPr>
+              <a:t>Second level</a:t>
+            </a:r>
+          </a:p>
+          <a:p>
+            <a:pPr marL="228600" marR="0" lvl="0" indent="-228600" algn="l" defTabSz="914400" rtl="0" eaLnBrk="1" fontAlgn="auto" latinLnBrk="0" hangingPunct="1">
+              <a:lnSpc>
+                <a:spcPct val="90000"/>
+              </a:lnSpc>
+              <a:spcBef>
+                <a:spcPts val="1000"/>
+              </a:spcBef>
+              <a:spcAft>
+                <a:spcPts val="0"/>
+              </a:spcAft>
+              <a:buClrTx/>
+              <a:buSzTx/>
+              <a:buFont typeface="Arial" panose="020B0604020202020204" pitchFamily="34" charset="0"/>
+              <a:buChar char="•"/>
+              <a:tabLst/>
+              <a:defRPr/>
+            </a:pPr>
+            <a:r>
+              <a:rPr kumimoji="0" lang="en-US" sz="2800" b="0" i="0" u="none" strike="noStrike" kern="1200" cap="none" spc="0" normalizeH="0" baseline="0" noProof="0" dirty="0">
+                <a:ln>
+                  <a:noFill/>
+                </a:ln>
+                <a:solidFill>
+                  <a:prstClr val="black"/>
+                </a:solidFill>
+                <a:effectLst/>
+                <a:uLnTx/>
+                <a:uFillTx/>
+                <a:latin typeface="Arial" panose="020B0604020202020204"/>
+                <a:ea typeface="+mn-ea"/>
+                <a:cs typeface="+mn-cs"/>
+              </a:rPr>
+              <a:t>Third level</a:t>
+            </a:r>
+          </a:p>
+          <a:p>
+            <a:pPr marL="228600" marR="0" lvl="0" indent="-228600" algn="l" defTabSz="914400" rtl="0" eaLnBrk="1" fontAlgn="auto" latinLnBrk="0" hangingPunct="1">
+              <a:lnSpc>
+                <a:spcPct val="90000"/>
+              </a:lnSpc>
+              <a:spcBef>
+                <a:spcPts val="1000"/>
+              </a:spcBef>
+              <a:spcAft>
+                <a:spcPts val="0"/>
+              </a:spcAft>
+              <a:buClrTx/>
+              <a:buSzTx/>
+              <a:buFont typeface="Arial" panose="020B0604020202020204" pitchFamily="34" charset="0"/>
+              <a:buChar char="•"/>
+              <a:tabLst/>
+              <a:defRPr/>
+            </a:pPr>
+            <a:r>
+              <a:rPr kumimoji="0" lang="en-US" sz="2800" b="0" i="0" u="none" strike="noStrike" kern="1200" cap="none" spc="0" normalizeH="0" baseline="0" noProof="0" dirty="0">
+                <a:ln>
+                  <a:noFill/>
+                </a:ln>
+                <a:solidFill>
+                  <a:prstClr val="black"/>
+                </a:solidFill>
+                <a:effectLst/>
+                <a:uLnTx/>
+                <a:uFillTx/>
+                <a:latin typeface="Arial" panose="020B0604020202020204"/>
+                <a:ea typeface="+mn-ea"/>
+                <a:cs typeface="+mn-cs"/>
+              </a:rPr>
+              <a:t>Fourth level</a:t>
+            </a:r>
+          </a:p>
+          <a:p>
+            <a:pPr marL="685800" marR="0" lvl="1" indent="-228600" algn="l" defTabSz="914400" rtl="0" eaLnBrk="1" fontAlgn="auto" latinLnBrk="0" hangingPunct="1">
+              <a:lnSpc>
+                <a:spcPct val="90000"/>
+              </a:lnSpc>
+              <a:spcBef>
+                <a:spcPts val="500"/>
+              </a:spcBef>
+              <a:spcAft>
+                <a:spcPts val="0"/>
+              </a:spcAft>
+              <a:buClrTx/>
+              <a:buSzTx/>
+              <a:buFont typeface="Arial" panose="020B0604020202020204" pitchFamily="34" charset="0"/>
+              <a:buChar char="•"/>
+              <a:tabLst/>
+              <a:defRPr/>
+            </a:pPr>
+            <a:r>
+              <a:rPr kumimoji="0" lang="en-US" sz="2800" b="0" i="0" u="none" strike="noStrike" kern="1200" cap="none" spc="0" normalizeH="0" baseline="0" noProof="0" dirty="0">
+                <a:ln>
+                  <a:noFill/>
+                </a:ln>
+                <a:solidFill>
+                  <a:prstClr val="black"/>
+                </a:solidFill>
+                <a:effectLst/>
+                <a:uLnTx/>
+                <a:uFillTx/>
+                <a:latin typeface="Arial" panose="020B0604020202020204"/>
+                <a:ea typeface="+mn-ea"/>
+                <a:cs typeface="+mn-cs"/>
+              </a:rPr>
+              <a:t>Fifth level</a:t>
+            </a:r>
+          </a:p>
+          <a:p>
+            <a:pPr marL="1143000" marR="0" lvl="2" indent="-228600" algn="l" defTabSz="914400" rtl="0" eaLnBrk="1" fontAlgn="auto" latinLnBrk="0" hangingPunct="1">
+              <a:lnSpc>
+                <a:spcPct val="90000"/>
+              </a:lnSpc>
+              <a:spcBef>
+                <a:spcPts val="500"/>
+              </a:spcBef>
+              <a:spcAft>
+                <a:spcPts val="0"/>
+              </a:spcAft>
+              <a:buClrTx/>
+              <a:buSzTx/>
+              <a:buFont typeface="Arial" panose="020B0604020202020204" pitchFamily="34" charset="0"/>
+              <a:buChar char="•"/>
+              <a:tabLst/>
+              <a:defRPr/>
+            </a:pPr>
+            <a:r>
+              <a:rPr kumimoji="0" lang="en-JP" sz="2800" b="0" i="0" u="none" strike="noStrike" kern="1200" cap="none" spc="0" normalizeH="0" baseline="0" noProof="0" dirty="0">
+                <a:ln>
+                  <a:noFill/>
+                </a:ln>
+                <a:solidFill>
+                  <a:prstClr val="black"/>
+                </a:solidFill>
+                <a:effectLst/>
+                <a:uLnTx/>
+                <a:uFillTx/>
+                <a:latin typeface="Arial" panose="020B0604020202020204"/>
+                <a:ea typeface="+mn-ea"/>
+                <a:cs typeface="+mn-cs"/>
+              </a:rPr>
+              <a:t>Sixth level</a:t>
+            </a:r>
+          </a:p>
+          <a:p>
             <a:pPr lvl="0"/>
-            <a:r>
-              <a:rPr lang="en-US"/>
-              <a:t>Click to edit Master text styles</a:t>
-            </a:r>
+            <a:endParaRPr lang="en-US" dirty="0"/>
           </a:p>
         </p:txBody>
       </p:sp>
@@ -3197,7 +3629,7 @@
           <a:p>
             <a:fld id="{8BEED3A0-4181-2F4A-9DB9-4F1DD88FDD37}" type="datetimeFigureOut">
               <a:rPr lang="en-JP" smtClean="0"/>
-              <a:t>2022/06/08</a:t>
+              <a:t>2023/03/29</a:t>
             </a:fld>
             <a:endParaRPr lang="en-JP"/>
           </a:p>
@@ -3609,6 +4041,22 @@
       </a:lvl9pPr>
     </p:otherStyle>
   </p:txStyles>
+  <p:extLst>
+    <p:ext uri="{27BBF7A9-308A-43DC-89C8-2F10F3537804}">
+      <p15:sldGuideLst xmlns:p15="http://schemas.microsoft.com/office/powerpoint/2012/main">
+        <p15:guide id="1" orient="horz" pos="2160" userDrawn="1">
+          <p15:clr>
+            <a:srgbClr val="F26B43"/>
+          </p15:clr>
+        </p15:guide>
+        <p15:guide id="2" pos="3840" userDrawn="1">
+          <p15:clr>
+            <a:srgbClr val="F26B43"/>
+          </p15:clr>
+        </p15:guide>
+      </p15:sldGuideLst>
+    </p:ext>
+  </p:extLst>
 </p:sldMaster>
 </file>
 
